--- a/Документы/Презентация.pptx
+++ b/Документы/Презентация.pptx
@@ -10,12 +10,12 @@
     <p:sldId id="258" r:id="rId4"/>
     <p:sldId id="259" r:id="rId5"/>
     <p:sldId id="260" r:id="rId6"/>
-    <p:sldId id="261" r:id="rId7"/>
-    <p:sldId id="266" r:id="rId8"/>
-    <p:sldId id="262" r:id="rId9"/>
+    <p:sldId id="267" r:id="rId7"/>
+    <p:sldId id="261" r:id="rId8"/>
+    <p:sldId id="266" r:id="rId9"/>
     <p:sldId id="263" r:id="rId10"/>
-    <p:sldId id="264" r:id="rId11"/>
-    <p:sldId id="265" r:id="rId12"/>
+    <p:sldId id="262" r:id="rId11"/>
+    <p:sldId id="264" r:id="rId12"/>
   </p:sldIdLst>
   <p:sldSz cx="12192000" cy="6858000"/>
   <p:notesSz cx="6858000" cy="9144000"/>
@@ -114,6 +114,11 @@
       </a:defRPr>
     </a:lvl9pPr>
   </p:defaultTextStyle>
+  <p:extLst>
+    <p:ext uri="{EFAFB233-063F-42B5-8137-9DF3F51BA10A}">
+      <p15:sldGuideLst xmlns:p15="http://schemas.microsoft.com/office/powerpoint/2012/main"/>
+    </p:ext>
+  </p:extLst>
 </p:presentation>
 </file>
 
@@ -3089,8 +3094,19 @@
                 <a:latin typeface="Times New Roman" panose="02020603050405020304" pitchFamily="18" charset="0"/>
                 <a:cs typeface="Times New Roman" panose="02020603050405020304" pitchFamily="18" charset="0"/>
               </a:rPr>
-              <a:t>ыполнить анализ существующих подходов к эволюционному моделированию;</a:t>
-            </a:r>
+              <a:t>ыполнить анализ существующих подходов к эволюционному </a:t>
+            </a:r>
+            <a:r>
+              <a:rPr lang="ru-RU" sz="2000" dirty="0" smtClean="0">
+                <a:latin typeface="Times New Roman" panose="02020603050405020304" pitchFamily="18" charset="0"/>
+                <a:cs typeface="Times New Roman" panose="02020603050405020304" pitchFamily="18" charset="0"/>
+              </a:rPr>
+              <a:t>моделированию;</a:t>
+            </a:r>
+            <a:endParaRPr lang="ru-RU" sz="2000" dirty="0" smtClean="0">
+              <a:latin typeface="Times New Roman" panose="02020603050405020304" pitchFamily="18" charset="0"/>
+              <a:cs typeface="Times New Roman" panose="02020603050405020304" pitchFamily="18" charset="0"/>
+            </a:endParaRPr>
           </a:p>
           <a:p>
             <a:pPr marL="1257300" lvl="2" indent="-342900" algn="l">
@@ -3102,15 +3118,26 @@
                 <a:latin typeface="Times New Roman" panose="02020603050405020304" pitchFamily="18" charset="0"/>
                 <a:cs typeface="Times New Roman" panose="02020603050405020304" pitchFamily="18" charset="0"/>
               </a:rPr>
-              <a:t>н</a:t>
+              <a:t>р</a:t>
             </a:r>
             <a:r>
               <a:rPr lang="ru-RU" sz="2000" dirty="0" smtClean="0">
                 <a:latin typeface="Times New Roman" panose="02020603050405020304" pitchFamily="18" charset="0"/>
                 <a:cs typeface="Times New Roman" panose="02020603050405020304" pitchFamily="18" charset="0"/>
               </a:rPr>
-              <a:t>айти примеры использования цифровых автоматов при генетическом моделировании и оценить целесообразность их использования;</a:t>
-            </a:r>
+              <a:t>азработать модель агента на основе цифрового автомата</a:t>
+            </a:r>
+            <a:r>
+              <a:rPr lang="ru-RU" sz="2000" dirty="0" smtClean="0">
+                <a:latin typeface="Times New Roman" panose="02020603050405020304" pitchFamily="18" charset="0"/>
+                <a:cs typeface="Times New Roman" panose="02020603050405020304" pitchFamily="18" charset="0"/>
+              </a:rPr>
+              <a:t>;</a:t>
+            </a:r>
+            <a:endParaRPr lang="ru-RU" sz="2000" dirty="0" smtClean="0">
+              <a:latin typeface="Times New Roman" panose="02020603050405020304" pitchFamily="18" charset="0"/>
+              <a:cs typeface="Times New Roman" panose="02020603050405020304" pitchFamily="18" charset="0"/>
+            </a:endParaRPr>
           </a:p>
           <a:p>
             <a:pPr marL="1257300" lvl="2" indent="-342900" algn="l">
@@ -3178,49 +3205,25 @@
               <a:buChar char="•"/>
             </a:pPr>
             <a:r>
+              <a:rPr lang="ru-RU" sz="2000" dirty="0">
+                <a:latin typeface="Times New Roman" panose="02020603050405020304" pitchFamily="18" charset="0"/>
+                <a:cs typeface="Times New Roman" panose="02020603050405020304" pitchFamily="18" charset="0"/>
+              </a:rPr>
+              <a:t>о</a:t>
+            </a:r>
+            <a:r>
               <a:rPr lang="ru-RU" sz="2000" dirty="0" smtClean="0">
                 <a:latin typeface="Times New Roman" panose="02020603050405020304" pitchFamily="18" charset="0"/>
                 <a:cs typeface="Times New Roman" panose="02020603050405020304" pitchFamily="18" charset="0"/>
               </a:rPr>
-              <a:t>спроектировать инфраструктуру и обеспечить поддержку работоспособности разработанной системы</a:t>
-            </a:r>
-            <a:r>
-              <a:rPr lang="ru-RU" sz="2000" dirty="0">
-                <a:latin typeface="Times New Roman" panose="02020603050405020304" pitchFamily="18" charset="0"/>
-                <a:cs typeface="Times New Roman" panose="02020603050405020304" pitchFamily="18" charset="0"/>
-              </a:rPr>
-              <a:t>;</a:t>
-            </a:r>
-            <a:endParaRPr lang="ru-RU" sz="2000" dirty="0" smtClean="0">
-              <a:latin typeface="Times New Roman" panose="02020603050405020304" pitchFamily="18" charset="0"/>
-              <a:cs typeface="Times New Roman" panose="02020603050405020304" pitchFamily="18" charset="0"/>
-            </a:endParaRPr>
-          </a:p>
-          <a:p>
-            <a:pPr marL="1257300" lvl="2" indent="-342900" algn="l">
-              <a:buFont typeface="Arial" panose="020B0604020202020204" pitchFamily="34" charset="0"/>
-              <a:buChar char="•"/>
-            </a:pPr>
+              <a:t>беспечить работоспособность и разработать </a:t>
+            </a:r>
             <a:r>
               <a:rPr lang="ru-RU" sz="2000" dirty="0" smtClean="0">
                 <a:latin typeface="Times New Roman" panose="02020603050405020304" pitchFamily="18" charset="0"/>
                 <a:cs typeface="Times New Roman" panose="02020603050405020304" pitchFamily="18" charset="0"/>
               </a:rPr>
-              <a:t>разработать технологию тестирования </a:t>
-            </a:r>
-            <a:r>
-              <a:rPr lang="ru-RU" sz="2000" dirty="0" smtClean="0">
-                <a:latin typeface="Times New Roman" panose="02020603050405020304" pitchFamily="18" charset="0"/>
-                <a:cs typeface="Times New Roman" panose="02020603050405020304" pitchFamily="18" charset="0"/>
-              </a:rPr>
-              <a:t>для </a:t>
-            </a:r>
-            <a:r>
-              <a:rPr lang="ru-RU" sz="2000" dirty="0" smtClean="0">
-                <a:latin typeface="Times New Roman" panose="02020603050405020304" pitchFamily="18" charset="0"/>
-                <a:cs typeface="Times New Roman" panose="02020603050405020304" pitchFamily="18" charset="0"/>
-              </a:rPr>
-              <a:t>спроектированной системы.</a:t>
+              <a:t>технологию тестирования для спроектированной системы.</a:t>
             </a:r>
           </a:p>
         </p:txBody>
@@ -3235,6 +3238,13 @@
   <p:clrMapOvr>
     <a:masterClrMapping/>
   </p:clrMapOvr>
+  <p:timing>
+    <p:tnLst>
+      <p:par>
+        <p:cTn id="1" dur="indefinite" restart="never" nodeType="tmRoot"/>
+      </p:par>
+    </p:tnLst>
+  </p:timing>
 </p:sld>
 </file>
 
@@ -3262,27 +3272,26 @@
             <a:spLocks noGrp="1"/>
           </p:cNvSpPr>
           <p:nvPr>
-            <p:ph type="ctrTitle"/>
+            <p:ph type="title"/>
           </p:nvPr>
         </p:nvSpPr>
         <p:spPr>
           <a:xfrm>
-            <a:off x="1524000" y="0"/>
-            <a:ext cx="9144000" cy="905942"/>
+            <a:off x="838200" y="0"/>
+            <a:ext cx="10515600" cy="1588168"/>
           </a:xfrm>
         </p:spPr>
         <p:txBody>
-          <a:bodyPr>
-            <a:normAutofit fontScale="90000"/>
-          </a:bodyPr>
-          <a:lstStyle/>
-          <a:p>
+          <a:bodyPr/>
+          <a:lstStyle/>
+          <a:p>
+            <a:pPr algn="ctr"/>
             <a:r>
               <a:rPr lang="ru-RU" dirty="0" smtClean="0">
                 <a:latin typeface="Times New Roman" panose="02020603050405020304" pitchFamily="18" charset="0"/>
                 <a:cs typeface="Times New Roman" panose="02020603050405020304" pitchFamily="18" charset="0"/>
               </a:rPr>
-              <a:t>Результаты</a:t>
+              <a:t>Диаграмма размещения программных компонентов</a:t>
             </a:r>
             <a:endParaRPr lang="ru-RU" dirty="0">
               <a:latin typeface="Times New Roman" panose="02020603050405020304" pitchFamily="18" charset="0"/>
@@ -3291,202 +3300,52 @@
           </a:p>
         </p:txBody>
       </p:sp>
-      <p:sp>
-        <p:nvSpPr>
-          <p:cNvPr id="3" name="Подзаголовок 2"/>
-          <p:cNvSpPr>
-            <a:spLocks noGrp="1"/>
-          </p:cNvSpPr>
-          <p:nvPr>
-            <p:ph type="subTitle" idx="1"/>
-          </p:nvPr>
-        </p:nvSpPr>
+      <p:pic>
+        <p:nvPicPr>
+          <p:cNvPr id="4" name="Объект 3"/>
+          <p:cNvPicPr>
+            <a:picLocks noGrp="1" noChangeAspect="1"/>
+          </p:cNvPicPr>
+          <p:nvPr>
+            <p:ph idx="1"/>
+          </p:nvPr>
+        </p:nvPicPr>
+        <p:blipFill>
+          <a:blip r:embed="rId2">
+            <a:extLst>
+              <a:ext uri="{28A0092B-C50C-407E-A947-70E740481C1C}">
+                <a14:useLocalDpi xmlns:a14="http://schemas.microsoft.com/office/drawing/2010/main" val="0"/>
+              </a:ext>
+            </a:extLst>
+          </a:blip>
+          <a:stretch>
+            <a:fillRect/>
+          </a:stretch>
+        </p:blipFill>
         <p:spPr>
           <a:xfrm>
-            <a:off x="1379913" y="1124844"/>
-            <a:ext cx="9432174" cy="4968385"/>
+            <a:off x="160532" y="2331601"/>
+            <a:ext cx="11870935" cy="3283136"/>
           </a:xfrm>
         </p:spPr>
-        <p:txBody>
-          <a:bodyPr>
-            <a:normAutofit/>
-          </a:bodyPr>
-          <a:lstStyle/>
-          <a:p>
-            <a:pPr marL="342900" indent="-342900" algn="l">
-              <a:buFont typeface="Arial" panose="020B0604020202020204" pitchFamily="34" charset="0"/>
-              <a:buChar char="•"/>
-            </a:pPr>
-            <a:r>
-              <a:rPr lang="ru-RU" dirty="0">
-                <a:latin typeface="Times New Roman" panose="02020603050405020304" pitchFamily="18" charset="0"/>
-                <a:cs typeface="Times New Roman" panose="02020603050405020304" pitchFamily="18" charset="0"/>
-              </a:rPr>
-              <a:t>и</a:t>
-            </a:r>
-            <a:r>
-              <a:rPr lang="ru-RU" dirty="0" smtClean="0">
-                <a:latin typeface="Times New Roman" panose="02020603050405020304" pitchFamily="18" charset="0"/>
-                <a:cs typeface="Times New Roman" panose="02020603050405020304" pitchFamily="18" charset="0"/>
-              </a:rPr>
-              <a:t>зучены существующие типы генетических алгоритмов и проведена их классификация;</a:t>
-            </a:r>
-          </a:p>
-          <a:p>
-            <a:pPr marL="342900" indent="-342900" algn="l">
-              <a:buFont typeface="Arial" panose="020B0604020202020204" pitchFamily="34" charset="0"/>
-              <a:buChar char="•"/>
-            </a:pPr>
-            <a:r>
-              <a:rPr lang="ru-RU" dirty="0">
-                <a:latin typeface="Times New Roman" panose="02020603050405020304" pitchFamily="18" charset="0"/>
-                <a:cs typeface="Times New Roman" panose="02020603050405020304" pitchFamily="18" charset="0"/>
-              </a:rPr>
-              <a:t>и</a:t>
-            </a:r>
-            <a:r>
-              <a:rPr lang="ru-RU" dirty="0" smtClean="0">
-                <a:latin typeface="Times New Roman" panose="02020603050405020304" pitchFamily="18" charset="0"/>
-                <a:cs typeface="Times New Roman" panose="02020603050405020304" pitchFamily="18" charset="0"/>
-              </a:rPr>
-              <a:t>сследованы цифровые автоматы, в том числе клеточные автоматы;</a:t>
-            </a:r>
-          </a:p>
-          <a:p>
-            <a:pPr marL="342900" indent="-342900" algn="l">
-              <a:buFont typeface="Arial" panose="020B0604020202020204" pitchFamily="34" charset="0"/>
-              <a:buChar char="•"/>
-            </a:pPr>
-            <a:r>
-              <a:rPr lang="ru-RU" dirty="0">
-                <a:latin typeface="Times New Roman" panose="02020603050405020304" pitchFamily="18" charset="0"/>
-                <a:cs typeface="Times New Roman" panose="02020603050405020304" pitchFamily="18" charset="0"/>
-              </a:rPr>
-              <a:t>с</a:t>
-            </a:r>
-            <a:r>
-              <a:rPr lang="ru-RU" dirty="0" smtClean="0">
-                <a:latin typeface="Times New Roman" panose="02020603050405020304" pitchFamily="18" charset="0"/>
-                <a:cs typeface="Times New Roman" panose="02020603050405020304" pitchFamily="18" charset="0"/>
-              </a:rPr>
-              <a:t>проектировано и разработано интернет-приложение по трёхзвенной архитектуре с использованием </a:t>
-            </a:r>
-            <a:r>
-              <a:rPr lang="ru-RU" dirty="0" err="1" smtClean="0">
-                <a:latin typeface="Times New Roman" panose="02020603050405020304" pitchFamily="18" charset="0"/>
-                <a:cs typeface="Times New Roman" panose="02020603050405020304" pitchFamily="18" charset="0"/>
-              </a:rPr>
-              <a:t>микросервисного</a:t>
-            </a:r>
-            <a:r>
-              <a:rPr lang="ru-RU" dirty="0" smtClean="0">
-                <a:latin typeface="Times New Roman" panose="02020603050405020304" pitchFamily="18" charset="0"/>
-                <a:cs typeface="Times New Roman" panose="02020603050405020304" pitchFamily="18" charset="0"/>
-              </a:rPr>
-              <a:t> подхода;</a:t>
-            </a:r>
-            <a:endParaRPr lang="ru-RU" dirty="0">
-              <a:latin typeface="Times New Roman" panose="02020603050405020304" pitchFamily="18" charset="0"/>
-              <a:cs typeface="Times New Roman" panose="02020603050405020304" pitchFamily="18" charset="0"/>
-            </a:endParaRPr>
-          </a:p>
-          <a:p>
-            <a:pPr marL="342900" indent="-342900" algn="l">
-              <a:buFont typeface="Arial" panose="020B0604020202020204" pitchFamily="34" charset="0"/>
-              <a:buChar char="•"/>
-            </a:pPr>
-            <a:r>
-              <a:rPr lang="ru-RU" dirty="0">
-                <a:latin typeface="Times New Roman" panose="02020603050405020304" pitchFamily="18" charset="0"/>
-                <a:cs typeface="Times New Roman" panose="02020603050405020304" pitchFamily="18" charset="0"/>
-              </a:rPr>
-              <a:t>п</a:t>
-            </a:r>
-            <a:r>
-              <a:rPr lang="ru-RU" dirty="0" smtClean="0">
-                <a:latin typeface="Times New Roman" panose="02020603050405020304" pitchFamily="18" charset="0"/>
-                <a:cs typeface="Times New Roman" panose="02020603050405020304" pitchFamily="18" charset="0"/>
-              </a:rPr>
-              <a:t>рименены технологии контейнеризации для упрощения процесса разработки и развертывания системы;</a:t>
-            </a:r>
-          </a:p>
-          <a:p>
-            <a:pPr marL="342900" indent="-342900" algn="l">
-              <a:buFont typeface="Arial" panose="020B0604020202020204" pitchFamily="34" charset="0"/>
-              <a:buChar char="•"/>
-            </a:pPr>
-            <a:r>
-              <a:rPr lang="ru-RU" dirty="0">
-                <a:latin typeface="Times New Roman" panose="02020603050405020304" pitchFamily="18" charset="0"/>
-                <a:cs typeface="Times New Roman" panose="02020603050405020304" pitchFamily="18" charset="0"/>
-              </a:rPr>
-              <a:t>п</a:t>
-            </a:r>
-            <a:r>
-              <a:rPr lang="ru-RU" dirty="0" smtClean="0">
-                <a:latin typeface="Times New Roman" panose="02020603050405020304" pitchFamily="18" charset="0"/>
-                <a:cs typeface="Times New Roman" panose="02020603050405020304" pitchFamily="18" charset="0"/>
-              </a:rPr>
-              <a:t>рименен </a:t>
-            </a:r>
-            <a:r>
-              <a:rPr lang="en-US" dirty="0" smtClean="0">
-                <a:latin typeface="Times New Roman" panose="02020603050405020304" pitchFamily="18" charset="0"/>
-                <a:cs typeface="Times New Roman" panose="02020603050405020304" pitchFamily="18" charset="0"/>
-              </a:rPr>
-              <a:t>Kubernetes </a:t>
-            </a:r>
-            <a:r>
-              <a:rPr lang="ru-RU" dirty="0" smtClean="0">
-                <a:latin typeface="Times New Roman" panose="02020603050405020304" pitchFamily="18" charset="0"/>
-                <a:cs typeface="Times New Roman" panose="02020603050405020304" pitchFamily="18" charset="0"/>
-              </a:rPr>
-              <a:t>для упрощения процесса поддержки и администрирования системы;</a:t>
-            </a:r>
-          </a:p>
-          <a:p>
-            <a:pPr marL="342900" indent="-342900" algn="l">
-              <a:buFont typeface="Arial" panose="020B0604020202020204" pitchFamily="34" charset="0"/>
-              <a:buChar char="•"/>
-            </a:pPr>
-            <a:r>
-              <a:rPr lang="ru-RU" dirty="0" smtClean="0">
-                <a:latin typeface="Times New Roman" panose="02020603050405020304" pitchFamily="18" charset="0"/>
-                <a:cs typeface="Times New Roman" panose="02020603050405020304" pitchFamily="18" charset="0"/>
-              </a:rPr>
-              <a:t>разработана технология тестирования с использованием функционального, модульного и </a:t>
-            </a:r>
-            <a:r>
-              <a:rPr lang="en-US" dirty="0" smtClean="0">
-                <a:latin typeface="Times New Roman" panose="02020603050405020304" pitchFamily="18" charset="0"/>
-                <a:cs typeface="Times New Roman" panose="02020603050405020304" pitchFamily="18" charset="0"/>
-              </a:rPr>
-              <a:t>UX</a:t>
-            </a:r>
-            <a:r>
-              <a:rPr lang="ru-RU" dirty="0" smtClean="0">
-                <a:latin typeface="Times New Roman" panose="02020603050405020304" pitchFamily="18" charset="0"/>
-                <a:cs typeface="Times New Roman" panose="02020603050405020304" pitchFamily="18" charset="0"/>
-              </a:rPr>
-              <a:t> подхода.</a:t>
-            </a:r>
-            <a:endParaRPr lang="ru-RU" dirty="0">
-              <a:latin typeface="Times New Roman" panose="02020603050405020304" pitchFamily="18" charset="0"/>
-              <a:cs typeface="Times New Roman" panose="02020603050405020304" pitchFamily="18" charset="0"/>
-            </a:endParaRPr>
-          </a:p>
-        </p:txBody>
-      </p:sp>
+      </p:pic>
     </p:spTree>
     <p:extLst>
       <p:ext uri="{BB962C8B-B14F-4D97-AF65-F5344CB8AC3E}">
-        <p14:creationId xmlns:p14="http://schemas.microsoft.com/office/powerpoint/2010/main" val="3013194907"/>
+        <p14:creationId xmlns:p14="http://schemas.microsoft.com/office/powerpoint/2010/main" val="494490888"/>
       </p:ext>
     </p:extLst>
   </p:cSld>
   <p:clrMapOvr>
     <a:masterClrMapping/>
   </p:clrMapOvr>
+  <p:timing>
+    <p:tnLst>
+      <p:par>
+        <p:cTn id="1" dur="indefinite" restart="never" nodeType="tmRoot"/>
+      </p:par>
+    </p:tnLst>
+  </p:timing>
 </p:sld>
 </file>
 
@@ -3514,13 +3373,49 @@
             <a:spLocks noGrp="1"/>
           </p:cNvSpPr>
           <p:nvPr>
-            <p:ph type="title"/>
+            <p:ph type="ctrTitle"/>
           </p:nvPr>
         </p:nvSpPr>
         <p:spPr>
           <a:xfrm>
-            <a:off x="0" y="0"/>
-            <a:ext cx="12192000" cy="6858000"/>
+            <a:off x="1524000" y="0"/>
+            <a:ext cx="9144000" cy="905942"/>
+          </a:xfrm>
+        </p:spPr>
+        <p:txBody>
+          <a:bodyPr>
+            <a:normAutofit fontScale="90000"/>
+          </a:bodyPr>
+          <a:lstStyle/>
+          <a:p>
+            <a:r>
+              <a:rPr lang="ru-RU" dirty="0" smtClean="0">
+                <a:latin typeface="Times New Roman" panose="02020603050405020304" pitchFamily="18" charset="0"/>
+                <a:cs typeface="Times New Roman" panose="02020603050405020304" pitchFamily="18" charset="0"/>
+              </a:rPr>
+              <a:t>Результаты</a:t>
+            </a:r>
+            <a:endParaRPr lang="ru-RU" dirty="0">
+              <a:latin typeface="Times New Roman" panose="02020603050405020304" pitchFamily="18" charset="0"/>
+              <a:cs typeface="Times New Roman" panose="02020603050405020304" pitchFamily="18" charset="0"/>
+            </a:endParaRPr>
+          </a:p>
+        </p:txBody>
+      </p:sp>
+      <p:sp>
+        <p:nvSpPr>
+          <p:cNvPr id="3" name="Подзаголовок 2"/>
+          <p:cNvSpPr>
+            <a:spLocks noGrp="1"/>
+          </p:cNvSpPr>
+          <p:nvPr>
+            <p:ph type="subTitle" idx="1"/>
+          </p:nvPr>
+        </p:nvSpPr>
+        <p:spPr>
+          <a:xfrm>
+            <a:off x="1379913" y="1124844"/>
+            <a:ext cx="9432174" cy="5450127"/>
           </a:xfrm>
         </p:spPr>
         <p:txBody>
@@ -3529,31 +3424,220 @@
           </a:bodyPr>
           <a:lstStyle/>
           <a:p>
-            <a:pPr algn="ctr"/>
-            <a:r>
-              <a:rPr lang="ru-RU" sz="6000" b="1" dirty="0" smtClean="0">
-                <a:latin typeface="Times New Roman" panose="02020603050405020304" pitchFamily="18" charset="0"/>
-                <a:cs typeface="Times New Roman" panose="02020603050405020304" pitchFamily="18" charset="0"/>
-              </a:rPr>
-              <a:t>Спасибо за внимание!</a:t>
-            </a:r>
-            <a:endParaRPr lang="ru-RU" sz="6000" b="1" dirty="0">
+            <a:pPr marL="342900" indent="-342900" algn="l">
+              <a:buFont typeface="Arial" panose="020B0604020202020204" pitchFamily="34" charset="0"/>
+              <a:buChar char="•"/>
+            </a:pPr>
+            <a:r>
+              <a:rPr lang="ru-RU" dirty="0">
+                <a:latin typeface="Times New Roman" panose="02020603050405020304" pitchFamily="18" charset="0"/>
+                <a:cs typeface="Times New Roman" panose="02020603050405020304" pitchFamily="18" charset="0"/>
+              </a:rPr>
+              <a:t>и</a:t>
+            </a:r>
+            <a:r>
+              <a:rPr lang="ru-RU" dirty="0" smtClean="0">
+                <a:latin typeface="Times New Roman" panose="02020603050405020304" pitchFamily="18" charset="0"/>
+                <a:cs typeface="Times New Roman" panose="02020603050405020304" pitchFamily="18" charset="0"/>
+              </a:rPr>
+              <a:t>зучены существующие </a:t>
+            </a:r>
+            <a:r>
+              <a:rPr lang="ru-RU" dirty="0" smtClean="0">
+                <a:latin typeface="Times New Roman" panose="02020603050405020304" pitchFamily="18" charset="0"/>
+                <a:cs typeface="Times New Roman" panose="02020603050405020304" pitchFamily="18" charset="0"/>
+              </a:rPr>
+              <a:t>подходы к эволюционному моделированию;</a:t>
+            </a:r>
+            <a:endParaRPr lang="ru-RU" dirty="0" smtClean="0">
               <a:latin typeface="Times New Roman" panose="02020603050405020304" pitchFamily="18" charset="0"/>
               <a:cs typeface="Times New Roman" panose="02020603050405020304" pitchFamily="18" charset="0"/>
             </a:endParaRPr>
           </a:p>
+          <a:p>
+            <a:pPr marL="342900" indent="-342900" algn="l">
+              <a:buFont typeface="Arial" panose="020B0604020202020204" pitchFamily="34" charset="0"/>
+              <a:buChar char="•"/>
+            </a:pPr>
+            <a:r>
+              <a:rPr lang="ru-RU" dirty="0">
+                <a:latin typeface="Times New Roman" panose="02020603050405020304" pitchFamily="18" charset="0"/>
+                <a:cs typeface="Times New Roman" panose="02020603050405020304" pitchFamily="18" charset="0"/>
+              </a:rPr>
+              <a:t>п</a:t>
+            </a:r>
+            <a:r>
+              <a:rPr lang="ru-RU" dirty="0" smtClean="0">
+                <a:latin typeface="Times New Roman" panose="02020603050405020304" pitchFamily="18" charset="0"/>
+                <a:cs typeface="Times New Roman" panose="02020603050405020304" pitchFamily="18" charset="0"/>
+              </a:rPr>
+              <a:t>остроена программная модель агента на основе цифрового автомата;</a:t>
+            </a:r>
+            <a:endParaRPr lang="ru-RU" dirty="0" smtClean="0">
+              <a:latin typeface="Times New Roman" panose="02020603050405020304" pitchFamily="18" charset="0"/>
+              <a:cs typeface="Times New Roman" panose="02020603050405020304" pitchFamily="18" charset="0"/>
+            </a:endParaRPr>
+          </a:p>
+          <a:p>
+            <a:pPr marL="342900" indent="-342900" algn="l">
+              <a:buFont typeface="Arial" panose="020B0604020202020204" pitchFamily="34" charset="0"/>
+              <a:buChar char="•"/>
+            </a:pPr>
+            <a:r>
+              <a:rPr lang="ru-RU" dirty="0">
+                <a:latin typeface="Times New Roman" panose="02020603050405020304" pitchFamily="18" charset="0"/>
+                <a:cs typeface="Times New Roman" panose="02020603050405020304" pitchFamily="18" charset="0"/>
+              </a:rPr>
+              <a:t>с</a:t>
+            </a:r>
+            <a:r>
+              <a:rPr lang="ru-RU" dirty="0" smtClean="0">
+                <a:latin typeface="Times New Roman" panose="02020603050405020304" pitchFamily="18" charset="0"/>
+                <a:cs typeface="Times New Roman" panose="02020603050405020304" pitchFamily="18" charset="0"/>
+              </a:rPr>
+              <a:t>проектировано и разработано интернет-приложение по трёхзвенной архитектуре с использованием </a:t>
+            </a:r>
+            <a:r>
+              <a:rPr lang="ru-RU" dirty="0" err="1" smtClean="0">
+                <a:latin typeface="Times New Roman" panose="02020603050405020304" pitchFamily="18" charset="0"/>
+                <a:cs typeface="Times New Roman" panose="02020603050405020304" pitchFamily="18" charset="0"/>
+              </a:rPr>
+              <a:t>микросервисного</a:t>
+            </a:r>
+            <a:r>
+              <a:rPr lang="ru-RU" dirty="0" smtClean="0">
+                <a:latin typeface="Times New Roman" panose="02020603050405020304" pitchFamily="18" charset="0"/>
+                <a:cs typeface="Times New Roman" panose="02020603050405020304" pitchFamily="18" charset="0"/>
+              </a:rPr>
+              <a:t> подхода</a:t>
+            </a:r>
+            <a:r>
+              <a:rPr lang="ru-RU" dirty="0" smtClean="0">
+                <a:latin typeface="Times New Roman" panose="02020603050405020304" pitchFamily="18" charset="0"/>
+                <a:cs typeface="Times New Roman" panose="02020603050405020304" pitchFamily="18" charset="0"/>
+              </a:rPr>
+              <a:t>;</a:t>
+            </a:r>
+          </a:p>
+          <a:p>
+            <a:pPr marL="342900" indent="-342900" algn="l">
+              <a:buFont typeface="Arial" panose="020B0604020202020204" pitchFamily="34" charset="0"/>
+              <a:buChar char="•"/>
+            </a:pPr>
+            <a:r>
+              <a:rPr lang="ru-RU" dirty="0">
+                <a:latin typeface="Times New Roman" panose="02020603050405020304" pitchFamily="18" charset="0"/>
+                <a:cs typeface="Times New Roman" panose="02020603050405020304" pitchFamily="18" charset="0"/>
+              </a:rPr>
+              <a:t>о</a:t>
+            </a:r>
+            <a:r>
+              <a:rPr lang="ru-RU" dirty="0" smtClean="0">
+                <a:latin typeface="Times New Roman" panose="02020603050405020304" pitchFamily="18" charset="0"/>
+                <a:cs typeface="Times New Roman" panose="02020603050405020304" pitchFamily="18" charset="0"/>
+              </a:rPr>
+              <a:t>беспечена расширяемость и масштабируемость системы;</a:t>
+            </a:r>
+            <a:endParaRPr lang="ru-RU" dirty="0">
+              <a:latin typeface="Times New Roman" panose="02020603050405020304" pitchFamily="18" charset="0"/>
+              <a:cs typeface="Times New Roman" panose="02020603050405020304" pitchFamily="18" charset="0"/>
+            </a:endParaRPr>
+          </a:p>
+          <a:p>
+            <a:pPr marL="342900" indent="-342900" algn="l">
+              <a:buFont typeface="Arial" panose="020B0604020202020204" pitchFamily="34" charset="0"/>
+              <a:buChar char="•"/>
+            </a:pPr>
+            <a:r>
+              <a:rPr lang="ru-RU" dirty="0">
+                <a:latin typeface="Times New Roman" panose="02020603050405020304" pitchFamily="18" charset="0"/>
+                <a:cs typeface="Times New Roman" panose="02020603050405020304" pitchFamily="18" charset="0"/>
+              </a:rPr>
+              <a:t>р</a:t>
+            </a:r>
+            <a:r>
+              <a:rPr lang="ru-RU" dirty="0" smtClean="0">
+                <a:latin typeface="Times New Roman" panose="02020603050405020304" pitchFamily="18" charset="0"/>
+                <a:cs typeface="Times New Roman" panose="02020603050405020304" pitchFamily="18" charset="0"/>
+              </a:rPr>
+              <a:t>азработаны программные модули и произведена их интеграци</a:t>
+            </a:r>
+            <a:r>
+              <a:rPr lang="ru-RU" dirty="0" smtClean="0">
+                <a:latin typeface="Times New Roman" panose="02020603050405020304" pitchFamily="18" charset="0"/>
+                <a:cs typeface="Times New Roman" panose="02020603050405020304" pitchFamily="18" charset="0"/>
+              </a:rPr>
+              <a:t>я с друг другом</a:t>
+            </a:r>
+            <a:r>
+              <a:rPr lang="ru-RU" dirty="0" smtClean="0">
+                <a:latin typeface="Times New Roman" panose="02020603050405020304" pitchFamily="18" charset="0"/>
+                <a:cs typeface="Times New Roman" panose="02020603050405020304" pitchFamily="18" charset="0"/>
+              </a:rPr>
+              <a:t>;</a:t>
+            </a:r>
+            <a:endParaRPr lang="ru-RU" dirty="0" smtClean="0">
+              <a:latin typeface="Times New Roman" panose="02020603050405020304" pitchFamily="18" charset="0"/>
+              <a:cs typeface="Times New Roman" panose="02020603050405020304" pitchFamily="18" charset="0"/>
+            </a:endParaRPr>
+          </a:p>
+          <a:p>
+            <a:pPr marL="342900" indent="-342900" algn="l">
+              <a:buFont typeface="Arial" panose="020B0604020202020204" pitchFamily="34" charset="0"/>
+              <a:buChar char="•"/>
+            </a:pPr>
+            <a:r>
+              <a:rPr lang="ru-RU" dirty="0" smtClean="0">
+                <a:latin typeface="Times New Roman" panose="02020603050405020304" pitchFamily="18" charset="0"/>
+                <a:cs typeface="Times New Roman" panose="02020603050405020304" pitchFamily="18" charset="0"/>
+              </a:rPr>
+              <a:t>разработана </a:t>
+            </a:r>
+            <a:r>
+              <a:rPr lang="ru-RU" dirty="0" smtClean="0">
+                <a:latin typeface="Times New Roman" panose="02020603050405020304" pitchFamily="18" charset="0"/>
+                <a:cs typeface="Times New Roman" panose="02020603050405020304" pitchFamily="18" charset="0"/>
+              </a:rPr>
+              <a:t>технология тестирования с использованием функционального, модульного и </a:t>
+            </a:r>
+            <a:r>
+              <a:rPr lang="en-US" dirty="0" smtClean="0">
+                <a:latin typeface="Times New Roman" panose="02020603050405020304" pitchFamily="18" charset="0"/>
+                <a:cs typeface="Times New Roman" panose="02020603050405020304" pitchFamily="18" charset="0"/>
+              </a:rPr>
+              <a:t>UX</a:t>
+            </a:r>
+            <a:r>
+              <a:rPr lang="ru-RU" dirty="0" smtClean="0">
+                <a:latin typeface="Times New Roman" panose="02020603050405020304" pitchFamily="18" charset="0"/>
+                <a:cs typeface="Times New Roman" panose="02020603050405020304" pitchFamily="18" charset="0"/>
+              </a:rPr>
+              <a:t> подхода.</a:t>
+            </a:r>
+            <a:endParaRPr lang="ru-RU" dirty="0">
+              <a:latin typeface="Times New Roman" panose="02020603050405020304" pitchFamily="18" charset="0"/>
+              <a:cs typeface="Times New Roman" panose="02020603050405020304" pitchFamily="18" charset="0"/>
+            </a:endParaRPr>
+          </a:p>
         </p:txBody>
       </p:sp>
     </p:spTree>
     <p:extLst>
       <p:ext uri="{BB962C8B-B14F-4D97-AF65-F5344CB8AC3E}">
-        <p14:creationId xmlns:p14="http://schemas.microsoft.com/office/powerpoint/2010/main" val="1701343187"/>
+        <p14:creationId xmlns:p14="http://schemas.microsoft.com/office/powerpoint/2010/main" val="3013194907"/>
       </p:ext>
     </p:extLst>
   </p:cSld>
   <p:clrMapOvr>
     <a:masterClrMapping/>
   </p:clrMapOvr>
+  <p:timing>
+    <p:tnLst>
+      <p:par>
+        <p:cTn id="1" dur="indefinite" restart="never" nodeType="tmRoot"/>
+      </p:par>
+    </p:tnLst>
+  </p:timing>
 </p:sld>
 </file>
 
@@ -3650,6 +3734,13 @@
   <p:clrMapOvr>
     <a:masterClrMapping/>
   </p:clrMapOvr>
+  <p:timing>
+    <p:tnLst>
+      <p:par>
+        <p:cTn id="1" dur="indefinite" restart="never" nodeType="tmRoot"/>
+      </p:par>
+    </p:tnLst>
+  </p:timing>
 </p:sld>
 </file>
 
@@ -3744,6 +3835,13 @@
   <p:clrMapOvr>
     <a:masterClrMapping/>
   </p:clrMapOvr>
+  <p:timing>
+    <p:tnLst>
+      <p:par>
+        <p:cTn id="1" dur="indefinite" restart="never" nodeType="tmRoot"/>
+      </p:par>
+    </p:tnLst>
+  </p:timing>
 </p:sld>
 </file>
 
@@ -3838,6 +3936,13 @@
   <p:clrMapOvr>
     <a:masterClrMapping/>
   </p:clrMapOvr>
+  <p:timing>
+    <p:tnLst>
+      <p:par>
+        <p:cTn id="1" dur="indefinite" restart="never" nodeType="tmRoot"/>
+      </p:par>
+    </p:tnLst>
+  </p:timing>
 </p:sld>
 </file>
 
@@ -3932,10 +4037,120 @@
   <p:clrMapOvr>
     <a:masterClrMapping/>
   </p:clrMapOvr>
+  <p:timing>
+    <p:tnLst>
+      <p:par>
+        <p:cTn id="1" dur="indefinite" restart="never" nodeType="tmRoot"/>
+      </p:par>
+    </p:tnLst>
+  </p:timing>
 </p:sld>
 </file>
 
 <file path=ppt/slides/slide6.xml><?xml version="1.0" encoding="utf-8"?>
+<p:sld xmlns:a="http://schemas.openxmlformats.org/drawingml/2006/main" xmlns:r="http://schemas.openxmlformats.org/officeDocument/2006/relationships" xmlns:p="http://schemas.openxmlformats.org/presentationml/2006/main">
+  <p:cSld>
+    <p:spTree>
+      <p:nvGrpSpPr>
+        <p:cNvPr id="1" name=""/>
+        <p:cNvGrpSpPr/>
+        <p:nvPr/>
+      </p:nvGrpSpPr>
+      <p:grpSpPr>
+        <a:xfrm>
+          <a:off x="0" y="0"/>
+          <a:ext cx="0" cy="0"/>
+          <a:chOff x="0" y="0"/>
+          <a:chExt cx="0" cy="0"/>
+        </a:xfrm>
+      </p:grpSpPr>
+      <p:sp>
+        <p:nvSpPr>
+          <p:cNvPr id="2" name="Заголовок 1"/>
+          <p:cNvSpPr>
+            <a:spLocks noGrp="1"/>
+          </p:cNvSpPr>
+          <p:nvPr>
+            <p:ph type="title"/>
+          </p:nvPr>
+        </p:nvSpPr>
+        <p:spPr>
+          <a:xfrm>
+            <a:off x="838200" y="0"/>
+            <a:ext cx="10515600" cy="1022465"/>
+          </a:xfrm>
+        </p:spPr>
+        <p:txBody>
+          <a:bodyPr/>
+          <a:lstStyle/>
+          <a:p>
+            <a:pPr algn="ctr"/>
+            <a:r>
+              <a:rPr lang="ru-RU" dirty="0" smtClean="0">
+                <a:latin typeface="Tahoma" panose="020B0604030504040204" pitchFamily="34" charset="0"/>
+                <a:ea typeface="Tahoma" panose="020B0604030504040204" pitchFamily="34" charset="0"/>
+                <a:cs typeface="Tahoma" panose="020B0604030504040204" pitchFamily="34" charset="0"/>
+              </a:rPr>
+              <a:t>Зоны пользовательского интерфейса</a:t>
+            </a:r>
+            <a:endParaRPr lang="ru-RU" dirty="0">
+              <a:latin typeface="Tahoma" panose="020B0604030504040204" pitchFamily="34" charset="0"/>
+              <a:ea typeface="Tahoma" panose="020B0604030504040204" pitchFamily="34" charset="0"/>
+              <a:cs typeface="Tahoma" panose="020B0604030504040204" pitchFamily="34" charset="0"/>
+            </a:endParaRPr>
+          </a:p>
+        </p:txBody>
+      </p:sp>
+      <p:pic>
+        <p:nvPicPr>
+          <p:cNvPr id="4" name="Объект 3"/>
+          <p:cNvPicPr>
+            <a:picLocks noGrp="1" noChangeAspect="1"/>
+          </p:cNvPicPr>
+          <p:nvPr>
+            <p:ph idx="1"/>
+          </p:nvPr>
+        </p:nvPicPr>
+        <p:blipFill>
+          <a:blip r:embed="rId2">
+            <a:extLst>
+              <a:ext uri="{28A0092B-C50C-407E-A947-70E740481C1C}">
+                <a14:useLocalDpi xmlns:a14="http://schemas.microsoft.com/office/drawing/2010/main" val="0"/>
+              </a:ext>
+            </a:extLst>
+          </a:blip>
+          <a:stretch>
+            <a:fillRect/>
+          </a:stretch>
+        </p:blipFill>
+        <p:spPr>
+          <a:xfrm>
+            <a:off x="3944959" y="1022465"/>
+            <a:ext cx="4302081" cy="5307460"/>
+          </a:xfrm>
+        </p:spPr>
+      </p:pic>
+    </p:spTree>
+    <p:extLst>
+      <p:ext uri="{BB962C8B-B14F-4D97-AF65-F5344CB8AC3E}">
+        <p14:creationId xmlns:p14="http://schemas.microsoft.com/office/powerpoint/2010/main" val="182952763"/>
+      </p:ext>
+    </p:extLst>
+  </p:cSld>
+  <p:clrMapOvr>
+    <a:masterClrMapping/>
+  </p:clrMapOvr>
+  <p:timing>
+    <p:tnLst>
+      <p:par>
+        <p:cTn id="1" dur="indefinite" restart="never" nodeType="tmRoot"/>
+      </p:par>
+    </p:tnLst>
+  </p:timing>
+</p:sld>
+</file>
+
+<file path=ppt/slides/slide7.xml><?xml version="1.0" encoding="utf-8"?>
 <p:sld xmlns:a="http://schemas.openxmlformats.org/drawingml/2006/main" xmlns:r="http://schemas.openxmlformats.org/officeDocument/2006/relationships" xmlns:p="http://schemas.openxmlformats.org/presentationml/2006/main">
   <p:cSld>
     <p:spTree>
@@ -4026,10 +4241,17 @@
   <p:clrMapOvr>
     <a:masterClrMapping/>
   </p:clrMapOvr>
+  <p:timing>
+    <p:tnLst>
+      <p:par>
+        <p:cTn id="1" dur="indefinite" restart="never" nodeType="tmRoot"/>
+      </p:par>
+    </p:tnLst>
+  </p:timing>
 </p:sld>
 </file>
 
-<file path=ppt/slides/slide7.xml><?xml version="1.0" encoding="utf-8"?>
+<file path=ppt/slides/slide8.xml><?xml version="1.0" encoding="utf-8"?>
 <p:sld xmlns:a="http://schemas.openxmlformats.org/drawingml/2006/main" xmlns:r="http://schemas.openxmlformats.org/officeDocument/2006/relationships" xmlns:p="http://schemas.openxmlformats.org/presentationml/2006/main">
   <p:cSld>
     <p:spTree>
@@ -4127,100 +4349,13 @@
   <p:clrMapOvr>
     <a:masterClrMapping/>
   </p:clrMapOvr>
-</p:sld>
-</file>
-
-<file path=ppt/slides/slide8.xml><?xml version="1.0" encoding="utf-8"?>
-<p:sld xmlns:a="http://schemas.openxmlformats.org/drawingml/2006/main" xmlns:r="http://schemas.openxmlformats.org/officeDocument/2006/relationships" xmlns:p="http://schemas.openxmlformats.org/presentationml/2006/main">
-  <p:cSld>
-    <p:spTree>
-      <p:nvGrpSpPr>
-        <p:cNvPr id="1" name=""/>
-        <p:cNvGrpSpPr/>
-        <p:nvPr/>
-      </p:nvGrpSpPr>
-      <p:grpSpPr>
-        <a:xfrm>
-          <a:off x="0" y="0"/>
-          <a:ext cx="0" cy="0"/>
-          <a:chOff x="0" y="0"/>
-          <a:chExt cx="0" cy="0"/>
-        </a:xfrm>
-      </p:grpSpPr>
-      <p:sp>
-        <p:nvSpPr>
-          <p:cNvPr id="2" name="Заголовок 1"/>
-          <p:cNvSpPr>
-            <a:spLocks noGrp="1"/>
-          </p:cNvSpPr>
-          <p:nvPr>
-            <p:ph type="title"/>
-          </p:nvPr>
-        </p:nvSpPr>
-        <p:spPr>
-          <a:xfrm>
-            <a:off x="838200" y="0"/>
-            <a:ext cx="10515600" cy="1588168"/>
-          </a:xfrm>
-        </p:spPr>
-        <p:txBody>
-          <a:bodyPr/>
-          <a:lstStyle/>
-          <a:p>
-            <a:pPr algn="ctr"/>
-            <a:r>
-              <a:rPr lang="ru-RU" dirty="0" smtClean="0">
-                <a:latin typeface="Times New Roman" panose="02020603050405020304" pitchFamily="18" charset="0"/>
-                <a:cs typeface="Times New Roman" panose="02020603050405020304" pitchFamily="18" charset="0"/>
-              </a:rPr>
-              <a:t>Диаграмма размещения программных компонентов</a:t>
-            </a:r>
-            <a:endParaRPr lang="ru-RU" dirty="0">
-              <a:latin typeface="Times New Roman" panose="02020603050405020304" pitchFamily="18" charset="0"/>
-              <a:cs typeface="Times New Roman" panose="02020603050405020304" pitchFamily="18" charset="0"/>
-            </a:endParaRPr>
-          </a:p>
-        </p:txBody>
-      </p:sp>
-      <p:pic>
-        <p:nvPicPr>
-          <p:cNvPr id="4" name="Объект 3"/>
-          <p:cNvPicPr>
-            <a:picLocks noGrp="1" noChangeAspect="1"/>
-          </p:cNvPicPr>
-          <p:nvPr>
-            <p:ph idx="1"/>
-          </p:nvPr>
-        </p:nvPicPr>
-        <p:blipFill>
-          <a:blip r:embed="rId2">
-            <a:extLst>
-              <a:ext uri="{28A0092B-C50C-407E-A947-70E740481C1C}">
-                <a14:useLocalDpi xmlns:a14="http://schemas.microsoft.com/office/drawing/2010/main" val="0"/>
-              </a:ext>
-            </a:extLst>
-          </a:blip>
-          <a:stretch>
-            <a:fillRect/>
-          </a:stretch>
-        </p:blipFill>
-        <p:spPr>
-          <a:xfrm>
-            <a:off x="160532" y="2331601"/>
-            <a:ext cx="11870935" cy="3283136"/>
-          </a:xfrm>
-        </p:spPr>
-      </p:pic>
-    </p:spTree>
-    <p:extLst>
-      <p:ext uri="{BB962C8B-B14F-4D97-AF65-F5344CB8AC3E}">
-        <p14:creationId xmlns:p14="http://schemas.microsoft.com/office/powerpoint/2010/main" val="494490888"/>
-      </p:ext>
-    </p:extLst>
-  </p:cSld>
-  <p:clrMapOvr>
-    <a:masterClrMapping/>
-  </p:clrMapOvr>
+  <p:timing>
+    <p:tnLst>
+      <p:par>
+        <p:cTn id="1" dur="indefinite" restart="never" nodeType="tmRoot"/>
+      </p:par>
+    </p:tnLst>
+  </p:timing>
 </p:sld>
 </file>
 
@@ -4322,6 +4457,13 @@
   <p:clrMapOvr>
     <a:masterClrMapping/>
   </p:clrMapOvr>
+  <p:timing>
+    <p:tnLst>
+      <p:par>
+        <p:cTn id="1" dur="indefinite" restart="never" nodeType="tmRoot"/>
+      </p:par>
+    </p:tnLst>
+  </p:timing>
 </p:sld>
 </file>
 
